--- a/Wildtracer-app-presentation.pptx
+++ b/Wildtracer-app-presentation.pptx
@@ -234,7 +234,7 @@
           <a:p>
             <a:fld id="{C2CC809A-047D-4C4C-99AD-66B485108806}" type="datetimeFigureOut">
               <a:rPr lang="es-ES" smtClean="0"/>
-              <a:t>01/08/2022</a:t>
+              <a:t>10/08/2022</a:t>
             </a:fld>
             <a:endParaRPr lang="es-ES"/>
           </a:p>
@@ -411,7 +411,7 @@
           <a:p>
             <a:fld id="{8D7ED65C-1759-EA41-A662-092C252C0EBD}" type="datetimeFigureOut">
               <a:rPr lang="es-ES" smtClean="0"/>
-              <a:t>01/08/2022</a:t>
+              <a:t>10/08/2022</a:t>
             </a:fld>
             <a:endParaRPr lang="es-ES"/>
           </a:p>
@@ -1282,7 +1282,7 @@
           <a:p>
             <a:fld id="{EDBEB5F8-2220-7044-B131-05899ACF52F6}" type="datetimeFigureOut">
               <a:rPr lang="es-ES" smtClean="0"/>
-              <a:t>01/08/2022</a:t>
+              <a:t>10/08/2022</a:t>
             </a:fld>
             <a:endParaRPr lang="es-ES"/>
           </a:p>
@@ -1431,7 +1431,7 @@
           <a:p>
             <a:fld id="{EDBEB5F8-2220-7044-B131-05899ACF52F6}" type="datetimeFigureOut">
               <a:rPr lang="es-ES" smtClean="0"/>
-              <a:t>01/08/2022</a:t>
+              <a:t>10/08/2022</a:t>
             </a:fld>
             <a:endParaRPr lang="es-ES"/>
           </a:p>
@@ -5151,7 +5151,7 @@
           <a:p>
             <a:fld id="{3BAC57A4-A4BD-254B-A2D6-FC8851E329C2}" type="datetimeFigureOut">
               <a:rPr lang="es-ES" smtClean="0"/>
-              <a:t>01/08/2022</a:t>
+              <a:t>10/08/2022</a:t>
             </a:fld>
             <a:endParaRPr lang="es-ES"/>
           </a:p>
@@ -6859,7 +6859,7 @@
                 </a:solidFill>
                 <a:cs typeface="Arial" panose="020B0604020202020204" pitchFamily="34" charset="0"/>
               </a:rPr>
-              <a:t> a </a:t>
+              <a:t> </a:t>
             </a:r>
             <a:r>
               <a:rPr lang="es-ES" sz="2000" dirty="0" err="1">
@@ -6871,7 +6871,7 @@
                 </a:solidFill>
                 <a:cs typeface="Arial" panose="020B0604020202020204" pitchFamily="34" charset="0"/>
               </a:rPr>
-              <a:t>one</a:t>
+              <a:t>the</a:t>
             </a:r>
             <a:r>
               <a:rPr lang="es-ES" sz="2000" dirty="0">
@@ -6895,31 +6895,7 @@
                 </a:solidFill>
                 <a:cs typeface="Arial" panose="020B0604020202020204" pitchFamily="34" charset="0"/>
               </a:rPr>
-              <a:t>of</a:t>
-            </a:r>
-            <a:r>
-              <a:rPr lang="es-ES" sz="2000" dirty="0">
-                <a:solidFill>
-                  <a:schemeClr val="tx1">
-                    <a:lumMod val="75000"/>
-                    <a:lumOff val="25000"/>
-                  </a:schemeClr>
-                </a:solidFill>
-                <a:cs typeface="Arial" panose="020B0604020202020204" pitchFamily="34" charset="0"/>
-              </a:rPr>
-              <a:t> a </a:t>
-            </a:r>
-            <a:r>
-              <a:rPr lang="es-ES" sz="2000" dirty="0" err="1">
-                <a:solidFill>
-                  <a:schemeClr val="tx1">
-                    <a:lumMod val="75000"/>
-                    <a:lumOff val="25000"/>
-                  </a:schemeClr>
-                </a:solidFill>
-                <a:cs typeface="Arial" panose="020B0604020202020204" pitchFamily="34" charset="0"/>
-              </a:rPr>
-              <a:t>kind</a:t>
+              <a:t>only</a:t>
             </a:r>
             <a:r>
               <a:rPr lang="es-ES" sz="2000" dirty="0">
@@ -9285,13 +9261,30 @@
             <p:ph type="title"/>
           </p:nvPr>
         </p:nvSpPr>
-        <p:spPr/>
+        <p:spPr>
+          <a:xfrm>
+            <a:off x="838200" y="365126"/>
+            <a:ext cx="10515600" cy="860360"/>
+          </a:xfrm>
+        </p:spPr>
         <p:txBody>
-          <a:bodyPr/>
+          <a:bodyPr>
+            <a:normAutofit/>
+          </a:bodyPr>
           <a:lstStyle/>
           <a:p>
             <a:r>
-              <a:rPr lang="en-US" dirty="0"/>
+              <a:rPr lang="en-US" b="1" dirty="0">
+                <a:solidFill>
+                  <a:schemeClr val="tx1">
+                    <a:lumMod val="85000"/>
+                    <a:lumOff val="15000"/>
+                  </a:schemeClr>
+                </a:solidFill>
+                <a:latin typeface="+mn-lt"/>
+                <a:ea typeface="+mn-ea"/>
+                <a:cs typeface="Arial" panose="020B0604020202020204" pitchFamily="34" charset="0"/>
+              </a:rPr>
               <a:t>Machine Learning</a:t>
             </a:r>
           </a:p>
@@ -9383,6 +9376,41 @@
           </a:prstGeom>
         </p:spPr>
       </p:pic>
+      <p:sp>
+        <p:nvSpPr>
+          <p:cNvPr id="3" name="TextBox 2">
+            <a:extLst>
+              <a:ext uri="{FF2B5EF4-FFF2-40B4-BE49-F238E27FC236}">
+                <a16:creationId xmlns:a16="http://schemas.microsoft.com/office/drawing/2014/main" id="{5FD5432E-0EBD-FA42-E322-D39E0BDF979B}"/>
+              </a:ext>
+            </a:extLst>
+          </p:cNvPr>
+          <p:cNvSpPr txBox="1"/>
+          <p:nvPr/>
+        </p:nvSpPr>
+        <p:spPr>
+          <a:xfrm>
+            <a:off x="1037612" y="1242525"/>
+            <a:ext cx="8148384" cy="369332"/>
+          </a:xfrm>
+          <a:prstGeom prst="rect">
+            <a:avLst/>
+          </a:prstGeom>
+          <a:noFill/>
+        </p:spPr>
+        <p:txBody>
+          <a:bodyPr wrap="none" rtlCol="0">
+            <a:spAutoFit/>
+          </a:bodyPr>
+          <a:lstStyle/>
+          <a:p>
+            <a:r>
+              <a:rPr lang="en-US" dirty="0"/>
+              <a:t>Predicts which animals are more vulnerable and which routes are mostly used.</a:t>
+            </a:r>
+          </a:p>
+        </p:txBody>
+      </p:sp>
     </p:spTree>
     <p:extLst>
       <p:ext uri="{BB962C8B-B14F-4D97-AF65-F5344CB8AC3E}">
@@ -9857,7 +9885,7 @@
                 <a:ea typeface="+mn-ea"/>
                 <a:cs typeface="Arial" panose="020B0604020202020204" pitchFamily="34" charset="0"/>
               </a:rPr>
-              <a:t>APK and Video</a:t>
+              <a:t>APK of the App</a:t>
             </a:r>
           </a:p>
         </p:txBody>
@@ -9883,7 +9911,28 @@
           <a:bodyPr/>
           <a:lstStyle/>
           <a:p>
-            <a:endParaRPr lang="en-US"/>
+            <a:r>
+              <a:rPr lang="en-US" dirty="0"/>
+              <a:t>APK of the app:</a:t>
+            </a:r>
+          </a:p>
+          <a:p>
+            <a:pPr marL="0" indent="0">
+              <a:buNone/>
+            </a:pPr>
+            <a:r>
+              <a:rPr lang="en-US" dirty="0">
+                <a:hlinkClick r:id="rId2"/>
+              </a:rPr>
+              <a:t>https://drive.google.com/file/d/1o505BFl3-tc_GcSgbSmtWcAMsNa8W6cc/view?usp=sharing</a:t>
+            </a:r>
+            <a:endParaRPr lang="en-US" dirty="0"/>
+          </a:p>
+          <a:p>
+            <a:pPr marL="0" indent="0">
+              <a:buNone/>
+            </a:pPr>
+            <a:endParaRPr lang="en-US" dirty="0"/>
           </a:p>
         </p:txBody>
       </p:sp>

--- a/Wildtracer-app-presentation.pptx
+++ b/Wildtracer-app-presentation.pptx
@@ -6,10 +6,10 @@
     <p:sldMasterId id="2147483679" r:id="rId2"/>
   </p:sldMasterIdLst>
   <p:notesMasterIdLst>
-    <p:notesMasterId r:id="rId11"/>
+    <p:notesMasterId r:id="rId10"/>
   </p:notesMasterIdLst>
   <p:handoutMasterIdLst>
-    <p:handoutMasterId r:id="rId12"/>
+    <p:handoutMasterId r:id="rId11"/>
   </p:handoutMasterIdLst>
   <p:sldIdLst>
     <p:sldId id="256" r:id="rId3"/>
@@ -19,7 +19,6 @@
     <p:sldId id="1271" r:id="rId7"/>
     <p:sldId id="1270" r:id="rId8"/>
     <p:sldId id="1269" r:id="rId9"/>
-    <p:sldId id="1272" r:id="rId10"/>
   </p:sldIdLst>
   <p:sldSz cx="12192000" cy="6858000"/>
   <p:notesSz cx="6858000" cy="9144000"/>
@@ -234,7 +233,7 @@
           <a:p>
             <a:fld id="{C2CC809A-047D-4C4C-99AD-66B485108806}" type="datetimeFigureOut">
               <a:rPr lang="es-ES" smtClean="0"/>
-              <a:t>10/08/2022</a:t>
+              <a:t>20/03/2023</a:t>
             </a:fld>
             <a:endParaRPr lang="es-ES"/>
           </a:p>
@@ -411,7 +410,7 @@
           <a:p>
             <a:fld id="{8D7ED65C-1759-EA41-A662-092C252C0EBD}" type="datetimeFigureOut">
               <a:rPr lang="es-ES" smtClean="0"/>
-              <a:t>10/08/2022</a:t>
+              <a:t>20/03/2023</a:t>
             </a:fld>
             <a:endParaRPr lang="es-ES"/>
           </a:p>
@@ -1282,7 +1281,7 @@
           <a:p>
             <a:fld id="{EDBEB5F8-2220-7044-B131-05899ACF52F6}" type="datetimeFigureOut">
               <a:rPr lang="es-ES" smtClean="0"/>
-              <a:t>10/08/2022</a:t>
+              <a:t>20/03/2023</a:t>
             </a:fld>
             <a:endParaRPr lang="es-ES"/>
           </a:p>
@@ -1431,7 +1430,7 @@
           <a:p>
             <a:fld id="{EDBEB5F8-2220-7044-B131-05899ACF52F6}" type="datetimeFigureOut">
               <a:rPr lang="es-ES" smtClean="0"/>
-              <a:t>10/08/2022</a:t>
+              <a:t>20/03/2023</a:t>
             </a:fld>
             <a:endParaRPr lang="es-ES"/>
           </a:p>
@@ -5151,7 +5150,7 @@
           <a:p>
             <a:fld id="{3BAC57A4-A4BD-254B-A2D6-FC8851E329C2}" type="datetimeFigureOut">
               <a:rPr lang="es-ES" smtClean="0"/>
-              <a:t>10/08/2022</a:t>
+              <a:t>20/03/2023</a:t>
             </a:fld>
             <a:endParaRPr lang="es-ES"/>
           </a:p>
@@ -6436,7 +6435,7 @@
         <p:spPr>
           <a:xfrm>
             <a:off x="803276" y="3405388"/>
-            <a:ext cx="3657225" cy="2246769"/>
+            <a:ext cx="3657225" cy="1977464"/>
           </a:xfrm>
           <a:prstGeom prst="rect">
             <a:avLst/>
@@ -6895,7 +6894,7 @@
                 </a:solidFill>
                 <a:cs typeface="Arial" panose="020B0604020202020204" pitchFamily="34" charset="0"/>
               </a:rPr>
-              <a:t>only</a:t>
+              <a:t>one</a:t>
             </a:r>
             <a:r>
               <a:rPr lang="es-ES" sz="2000" dirty="0">
@@ -6907,7 +6906,7 @@
                 </a:solidFill>
                 <a:cs typeface="Arial" panose="020B0604020202020204" pitchFamily="34" charset="0"/>
               </a:rPr>
-              <a:t> </a:t>
+              <a:t> and </a:t>
             </a:r>
             <a:r>
               <a:rPr lang="es-ES" sz="2000" dirty="0" err="1">
@@ -6919,7 +6918,7 @@
                 </a:solidFill>
                 <a:cs typeface="Arial" panose="020B0604020202020204" pitchFamily="34" charset="0"/>
               </a:rPr>
-              <a:t>wildlife</a:t>
+              <a:t>only</a:t>
             </a:r>
             <a:r>
               <a:rPr lang="es-ES" sz="2000" dirty="0">
@@ -6943,7 +6942,7 @@
                 </a:solidFill>
                 <a:cs typeface="Arial" panose="020B0604020202020204" pitchFamily="34" charset="0"/>
               </a:rPr>
-              <a:t>trafficking</a:t>
+              <a:t>wildlife</a:t>
             </a:r>
             <a:r>
               <a:rPr lang="es-ES" sz="2000" dirty="0">
@@ -6967,7 +6966,7 @@
                 </a:solidFill>
                 <a:cs typeface="Arial" panose="020B0604020202020204" pitchFamily="34" charset="0"/>
               </a:rPr>
-              <a:t>prevention</a:t>
+              <a:t>trafficking</a:t>
             </a:r>
             <a:r>
               <a:rPr lang="es-ES" sz="2000" dirty="0">
@@ -6979,7 +6978,7 @@
                 </a:solidFill>
                 <a:cs typeface="Arial" panose="020B0604020202020204" pitchFamily="34" charset="0"/>
               </a:rPr>
-              <a:t> app </a:t>
+              <a:t> </a:t>
             </a:r>
             <a:r>
               <a:rPr lang="es-ES" sz="2000" dirty="0" err="1">
@@ -6991,7 +6990,7 @@
                 </a:solidFill>
                 <a:cs typeface="Arial" panose="020B0604020202020204" pitchFamily="34" charset="0"/>
               </a:rPr>
-              <a:t>which</a:t>
+              <a:t>prevention</a:t>
             </a:r>
             <a:r>
               <a:rPr lang="es-ES" sz="2000" dirty="0">
@@ -7003,55 +7002,7 @@
                 </a:solidFill>
                 <a:cs typeface="Arial" panose="020B0604020202020204" pitchFamily="34" charset="0"/>
               </a:rPr>
-              <a:t> </a:t>
-            </a:r>
-            <a:r>
-              <a:rPr lang="es-ES" sz="2000" dirty="0" err="1">
-                <a:solidFill>
-                  <a:schemeClr val="tx1">
-                    <a:lumMod val="75000"/>
-                    <a:lumOff val="25000"/>
-                  </a:schemeClr>
-                </a:solidFill>
-                <a:cs typeface="Arial" panose="020B0604020202020204" pitchFamily="34" charset="0"/>
-              </a:rPr>
-              <a:t>also</a:t>
-            </a:r>
-            <a:r>
-              <a:rPr lang="es-ES" sz="2000" dirty="0">
-                <a:solidFill>
-                  <a:schemeClr val="tx1">
-                    <a:lumMod val="75000"/>
-                    <a:lumOff val="25000"/>
-                  </a:schemeClr>
-                </a:solidFill>
-                <a:cs typeface="Arial" panose="020B0604020202020204" pitchFamily="34" charset="0"/>
-              </a:rPr>
-              <a:t> </a:t>
-            </a:r>
-            <a:r>
-              <a:rPr lang="es-ES" sz="2000" dirty="0" err="1">
-                <a:solidFill>
-                  <a:schemeClr val="tx1">
-                    <a:lumMod val="75000"/>
-                    <a:lumOff val="25000"/>
-                  </a:schemeClr>
-                </a:solidFill>
-                <a:cs typeface="Arial" panose="020B0604020202020204" pitchFamily="34" charset="0"/>
-              </a:rPr>
-              <a:t>imlements</a:t>
-            </a:r>
-            <a:r>
-              <a:rPr lang="es-ES" sz="2000" dirty="0">
-                <a:solidFill>
-                  <a:schemeClr val="tx1">
-                    <a:lumMod val="75000"/>
-                    <a:lumOff val="25000"/>
-                  </a:schemeClr>
-                </a:solidFill>
-                <a:cs typeface="Arial" panose="020B0604020202020204" pitchFamily="34" charset="0"/>
-              </a:rPr>
-              <a:t> ML, in </a:t>
+              <a:t> app in </a:t>
             </a:r>
             <a:r>
               <a:rPr lang="es-ES" sz="2000" dirty="0" err="1">
@@ -9826,120 +9777,6 @@
     <p:extLst>
       <p:ext uri="{BB962C8B-B14F-4D97-AF65-F5344CB8AC3E}">
         <p14:creationId xmlns:p14="http://schemas.microsoft.com/office/powerpoint/2010/main" val="1205361022"/>
-      </p:ext>
-    </p:extLst>
-  </p:cSld>
-  <p:clrMapOvr>
-    <a:masterClrMapping/>
-  </p:clrMapOvr>
-</p:sld>
-</file>
-
-<file path=ppt/slides/slide8.xml><?xml version="1.0" encoding="utf-8"?>
-<p:sld xmlns:a="http://schemas.openxmlformats.org/drawingml/2006/main" xmlns:r="http://schemas.openxmlformats.org/officeDocument/2006/relationships" xmlns:p="http://schemas.openxmlformats.org/presentationml/2006/main">
-  <p:cSld>
-    <p:spTree>
-      <p:nvGrpSpPr>
-        <p:cNvPr id="1" name=""/>
-        <p:cNvGrpSpPr/>
-        <p:nvPr/>
-      </p:nvGrpSpPr>
-      <p:grpSpPr>
-        <a:xfrm>
-          <a:off x="0" y="0"/>
-          <a:ext cx="0" cy="0"/>
-          <a:chOff x="0" y="0"/>
-          <a:chExt cx="0" cy="0"/>
-        </a:xfrm>
-      </p:grpSpPr>
-      <p:sp>
-        <p:nvSpPr>
-          <p:cNvPr id="2" name="Title 1">
-            <a:extLst>
-              <a:ext uri="{FF2B5EF4-FFF2-40B4-BE49-F238E27FC236}">
-                <a16:creationId xmlns:a16="http://schemas.microsoft.com/office/drawing/2014/main" id="{919AA79A-6073-F3DF-BFA3-49D117B78367}"/>
-              </a:ext>
-            </a:extLst>
-          </p:cNvPr>
-          <p:cNvSpPr>
-            <a:spLocks noGrp="1"/>
-          </p:cNvSpPr>
-          <p:nvPr>
-            <p:ph type="title"/>
-          </p:nvPr>
-        </p:nvSpPr>
-        <p:spPr/>
-        <p:txBody>
-          <a:bodyPr/>
-          <a:lstStyle/>
-          <a:p>
-            <a:r>
-              <a:rPr lang="en-US" b="1" dirty="0">
-                <a:solidFill>
-                  <a:schemeClr val="tx1">
-                    <a:lumMod val="85000"/>
-                    <a:lumOff val="15000"/>
-                  </a:schemeClr>
-                </a:solidFill>
-                <a:latin typeface="+mn-lt"/>
-                <a:ea typeface="+mn-ea"/>
-                <a:cs typeface="Arial" panose="020B0604020202020204" pitchFamily="34" charset="0"/>
-              </a:rPr>
-              <a:t>APK of the App</a:t>
-            </a:r>
-          </a:p>
-        </p:txBody>
-      </p:sp>
-      <p:sp>
-        <p:nvSpPr>
-          <p:cNvPr id="3" name="Content Placeholder 2">
-            <a:extLst>
-              <a:ext uri="{FF2B5EF4-FFF2-40B4-BE49-F238E27FC236}">
-                <a16:creationId xmlns:a16="http://schemas.microsoft.com/office/drawing/2014/main" id="{2055867E-E0FE-AFC9-190F-0B038C0A4BCB}"/>
-              </a:ext>
-            </a:extLst>
-          </p:cNvPr>
-          <p:cNvSpPr>
-            <a:spLocks noGrp="1"/>
-          </p:cNvSpPr>
-          <p:nvPr>
-            <p:ph idx="1"/>
-          </p:nvPr>
-        </p:nvSpPr>
-        <p:spPr/>
-        <p:txBody>
-          <a:bodyPr/>
-          <a:lstStyle/>
-          <a:p>
-            <a:r>
-              <a:rPr lang="en-US" dirty="0"/>
-              <a:t>APK of the app:</a:t>
-            </a:r>
-          </a:p>
-          <a:p>
-            <a:pPr marL="0" indent="0">
-              <a:buNone/>
-            </a:pPr>
-            <a:r>
-              <a:rPr lang="en-US" dirty="0">
-                <a:hlinkClick r:id="rId2"/>
-              </a:rPr>
-              <a:t>https://drive.google.com/file/d/1o505BFl3-tc_GcSgbSmtWcAMsNa8W6cc/view?usp=sharing</a:t>
-            </a:r>
-            <a:endParaRPr lang="en-US" dirty="0"/>
-          </a:p>
-          <a:p>
-            <a:pPr marL="0" indent="0">
-              <a:buNone/>
-            </a:pPr>
-            <a:endParaRPr lang="en-US" dirty="0"/>
-          </a:p>
-        </p:txBody>
-      </p:sp>
-    </p:spTree>
-    <p:extLst>
-      <p:ext uri="{BB962C8B-B14F-4D97-AF65-F5344CB8AC3E}">
-        <p14:creationId xmlns:p14="http://schemas.microsoft.com/office/powerpoint/2010/main" val="1012447213"/>
       </p:ext>
     </p:extLst>
   </p:cSld>
